--- a/Documentação/PesquisaInovacao/WhitePaper.pptx
+++ b/Documentação/PesquisaInovacao/WhitePaper.pptx
@@ -8,6 +8,7 @@
     <p:sldId id="256" r:id="rId2"/>
     <p:sldId id="257" r:id="rId3"/>
     <p:sldId id="258" r:id="rId4"/>
+    <p:sldId id="259" r:id="rId5"/>
   </p:sldIdLst>
   <p:sldSz cx="12192000" cy="6858000"/>
   <p:notesSz cx="6858000" cy="9144000"/>
@@ -106,7 +107,41 @@
       </a:defRPr>
     </a:lvl9pPr>
   </p:defaultTextStyle>
+  <p:extLst>
+    <p:ext uri="{EFAFB233-063F-42B5-8137-9DF3F51BA10A}">
+      <p15:sldGuideLst xmlns:p15="http://schemas.microsoft.com/office/powerpoint/2012/main"/>
+    </p:ext>
+  </p:extLst>
 </p:presentation>
+</file>
+
+<file path=ppt/changesInfos/changesInfo1.xml><?xml version="1.0" encoding="utf-8"?>
+<pc:chgInfo xmlns:a="http://schemas.openxmlformats.org/drawingml/2006/main" xmlns:r="http://schemas.openxmlformats.org/officeDocument/2006/relationships" xmlns:ac="http://schemas.microsoft.com/office/drawing/2013/main/command" xmlns:pc="http://schemas.microsoft.com/office/powerpoint/2013/main/command">
+  <pc:docChgLst>
+    <pc:chgData name="Santos, Lucas Donizete dos" userId="e5a02658-30a8-4bdf-be5d-94b0eaee584f" providerId="ADAL" clId="{C4C77103-2B86-4FFC-B6D0-B98F967DABD8}"/>
+    <pc:docChg chg="custSel modSld">
+      <pc:chgData name="Santos, Lucas Donizete dos" userId="e5a02658-30a8-4bdf-be5d-94b0eaee584f" providerId="ADAL" clId="{C4C77103-2B86-4FFC-B6D0-B98F967DABD8}" dt="2021-11-22T14:26:56.508" v="421" actId="20577"/>
+      <pc:docMkLst>
+        <pc:docMk/>
+      </pc:docMkLst>
+      <pc:sldChg chg="modSp mod">
+        <pc:chgData name="Santos, Lucas Donizete dos" userId="e5a02658-30a8-4bdf-be5d-94b0eaee584f" providerId="ADAL" clId="{C4C77103-2B86-4FFC-B6D0-B98F967DABD8}" dt="2021-11-22T14:26:56.508" v="421" actId="20577"/>
+        <pc:sldMkLst>
+          <pc:docMk/>
+          <pc:sldMk cId="3821222906" sldId="258"/>
+        </pc:sldMkLst>
+        <pc:spChg chg="mod">
+          <ac:chgData name="Santos, Lucas Donizete dos" userId="e5a02658-30a8-4bdf-be5d-94b0eaee584f" providerId="ADAL" clId="{C4C77103-2B86-4FFC-B6D0-B98F967DABD8}" dt="2021-11-22T14:26:56.508" v="421" actId="20577"/>
+          <ac:spMkLst>
+            <pc:docMk/>
+            <pc:sldMk cId="3821222906" sldId="258"/>
+            <ac:spMk id="3" creationId="{720A5CC8-59F8-4FAC-9C54-74D76734FD26}"/>
+          </ac:spMkLst>
+        </pc:spChg>
+      </pc:sldChg>
+    </pc:docChg>
+  </pc:docChgLst>
+</pc:chgInfo>
 </file>
 
 <file path=ppt/slideLayouts/slideLayout1.xml><?xml version="1.0" encoding="utf-8"?>
@@ -256,7 +291,7 @@
           <a:p>
             <a:fld id="{E70F2004-4CBE-4F43-A10C-F8DD097C79A9}" type="datetimeFigureOut">
               <a:rPr lang="pt-BR" smtClean="0"/>
-              <a:t>18/11/2021</a:t>
+              <a:t>22/11/2021</a:t>
             </a:fld>
             <a:endParaRPr lang="pt-BR"/>
           </a:p>
@@ -310,7 +345,7 @@
           <a:p>
             <a:fld id="{9F76BDEF-B461-4CE9-9FA0-27AA0997062E}" type="slidenum">
               <a:rPr lang="pt-BR" smtClean="0"/>
-              <a:t>‹nº›</a:t>
+              <a:t>‹#›</a:t>
             </a:fld>
             <a:endParaRPr lang="pt-BR"/>
           </a:p>
@@ -454,7 +489,7 @@
           <a:p>
             <a:fld id="{E70F2004-4CBE-4F43-A10C-F8DD097C79A9}" type="datetimeFigureOut">
               <a:rPr lang="pt-BR" smtClean="0"/>
-              <a:t>18/11/2021</a:t>
+              <a:t>22/11/2021</a:t>
             </a:fld>
             <a:endParaRPr lang="pt-BR"/>
           </a:p>
@@ -508,7 +543,7 @@
           <a:p>
             <a:fld id="{9F76BDEF-B461-4CE9-9FA0-27AA0997062E}" type="slidenum">
               <a:rPr lang="pt-BR" smtClean="0"/>
-              <a:t>‹nº›</a:t>
+              <a:t>‹#›</a:t>
             </a:fld>
             <a:endParaRPr lang="pt-BR"/>
           </a:p>
@@ -662,7 +697,7 @@
           <a:p>
             <a:fld id="{E70F2004-4CBE-4F43-A10C-F8DD097C79A9}" type="datetimeFigureOut">
               <a:rPr lang="pt-BR" smtClean="0"/>
-              <a:t>18/11/2021</a:t>
+              <a:t>22/11/2021</a:t>
             </a:fld>
             <a:endParaRPr lang="pt-BR"/>
           </a:p>
@@ -716,7 +751,7 @@
           <a:p>
             <a:fld id="{9F76BDEF-B461-4CE9-9FA0-27AA0997062E}" type="slidenum">
               <a:rPr lang="pt-BR" smtClean="0"/>
-              <a:t>‹nº›</a:t>
+              <a:t>‹#›</a:t>
             </a:fld>
             <a:endParaRPr lang="pt-BR"/>
           </a:p>
@@ -860,7 +895,7 @@
           <a:p>
             <a:fld id="{E70F2004-4CBE-4F43-A10C-F8DD097C79A9}" type="datetimeFigureOut">
               <a:rPr lang="pt-BR" smtClean="0"/>
-              <a:t>18/11/2021</a:t>
+              <a:t>22/11/2021</a:t>
             </a:fld>
             <a:endParaRPr lang="pt-BR"/>
           </a:p>
@@ -914,7 +949,7 @@
           <a:p>
             <a:fld id="{9F76BDEF-B461-4CE9-9FA0-27AA0997062E}" type="slidenum">
               <a:rPr lang="pt-BR" smtClean="0"/>
-              <a:t>‹nº›</a:t>
+              <a:t>‹#›</a:t>
             </a:fld>
             <a:endParaRPr lang="pt-BR"/>
           </a:p>
@@ -1135,7 +1170,7 @@
           <a:p>
             <a:fld id="{E70F2004-4CBE-4F43-A10C-F8DD097C79A9}" type="datetimeFigureOut">
               <a:rPr lang="pt-BR" smtClean="0"/>
-              <a:t>18/11/2021</a:t>
+              <a:t>22/11/2021</a:t>
             </a:fld>
             <a:endParaRPr lang="pt-BR"/>
           </a:p>
@@ -1189,7 +1224,7 @@
           <a:p>
             <a:fld id="{9F76BDEF-B461-4CE9-9FA0-27AA0997062E}" type="slidenum">
               <a:rPr lang="pt-BR" smtClean="0"/>
-              <a:t>‹nº›</a:t>
+              <a:t>‹#›</a:t>
             </a:fld>
             <a:endParaRPr lang="pt-BR"/>
           </a:p>
@@ -1400,7 +1435,7 @@
           <a:p>
             <a:fld id="{E70F2004-4CBE-4F43-A10C-F8DD097C79A9}" type="datetimeFigureOut">
               <a:rPr lang="pt-BR" smtClean="0"/>
-              <a:t>18/11/2021</a:t>
+              <a:t>22/11/2021</a:t>
             </a:fld>
             <a:endParaRPr lang="pt-BR"/>
           </a:p>
@@ -1454,7 +1489,7 @@
           <a:p>
             <a:fld id="{9F76BDEF-B461-4CE9-9FA0-27AA0997062E}" type="slidenum">
               <a:rPr lang="pt-BR" smtClean="0"/>
-              <a:t>‹nº›</a:t>
+              <a:t>‹#›</a:t>
             </a:fld>
             <a:endParaRPr lang="pt-BR"/>
           </a:p>
@@ -1812,7 +1847,7 @@
           <a:p>
             <a:fld id="{E70F2004-4CBE-4F43-A10C-F8DD097C79A9}" type="datetimeFigureOut">
               <a:rPr lang="pt-BR" smtClean="0"/>
-              <a:t>18/11/2021</a:t>
+              <a:t>22/11/2021</a:t>
             </a:fld>
             <a:endParaRPr lang="pt-BR"/>
           </a:p>
@@ -1866,7 +1901,7 @@
           <a:p>
             <a:fld id="{9F76BDEF-B461-4CE9-9FA0-27AA0997062E}" type="slidenum">
               <a:rPr lang="pt-BR" smtClean="0"/>
-              <a:t>‹nº›</a:t>
+              <a:t>‹#›</a:t>
             </a:fld>
             <a:endParaRPr lang="pt-BR"/>
           </a:p>
@@ -1953,7 +1988,7 @@
           <a:p>
             <a:fld id="{E70F2004-4CBE-4F43-A10C-F8DD097C79A9}" type="datetimeFigureOut">
               <a:rPr lang="pt-BR" smtClean="0"/>
-              <a:t>18/11/2021</a:t>
+              <a:t>22/11/2021</a:t>
             </a:fld>
             <a:endParaRPr lang="pt-BR"/>
           </a:p>
@@ -2007,7 +2042,7 @@
           <a:p>
             <a:fld id="{9F76BDEF-B461-4CE9-9FA0-27AA0997062E}" type="slidenum">
               <a:rPr lang="pt-BR" smtClean="0"/>
-              <a:t>‹nº›</a:t>
+              <a:t>‹#›</a:t>
             </a:fld>
             <a:endParaRPr lang="pt-BR"/>
           </a:p>
@@ -2066,7 +2101,7 @@
           <a:p>
             <a:fld id="{E70F2004-4CBE-4F43-A10C-F8DD097C79A9}" type="datetimeFigureOut">
               <a:rPr lang="pt-BR" smtClean="0"/>
-              <a:t>18/11/2021</a:t>
+              <a:t>22/11/2021</a:t>
             </a:fld>
             <a:endParaRPr lang="pt-BR"/>
           </a:p>
@@ -2120,7 +2155,7 @@
           <a:p>
             <a:fld id="{9F76BDEF-B461-4CE9-9FA0-27AA0997062E}" type="slidenum">
               <a:rPr lang="pt-BR" smtClean="0"/>
-              <a:t>‹nº›</a:t>
+              <a:t>‹#›</a:t>
             </a:fld>
             <a:endParaRPr lang="pt-BR"/>
           </a:p>
@@ -2377,7 +2412,7 @@
           <a:p>
             <a:fld id="{E70F2004-4CBE-4F43-A10C-F8DD097C79A9}" type="datetimeFigureOut">
               <a:rPr lang="pt-BR" smtClean="0"/>
-              <a:t>18/11/2021</a:t>
+              <a:t>22/11/2021</a:t>
             </a:fld>
             <a:endParaRPr lang="pt-BR"/>
           </a:p>
@@ -2431,7 +2466,7 @@
           <a:p>
             <a:fld id="{9F76BDEF-B461-4CE9-9FA0-27AA0997062E}" type="slidenum">
               <a:rPr lang="pt-BR" smtClean="0"/>
-              <a:t>‹nº›</a:t>
+              <a:t>‹#›</a:t>
             </a:fld>
             <a:endParaRPr lang="pt-BR"/>
           </a:p>
@@ -2665,7 +2700,7 @@
           <a:p>
             <a:fld id="{E70F2004-4CBE-4F43-A10C-F8DD097C79A9}" type="datetimeFigureOut">
               <a:rPr lang="pt-BR" smtClean="0"/>
-              <a:t>18/11/2021</a:t>
+              <a:t>22/11/2021</a:t>
             </a:fld>
             <a:endParaRPr lang="pt-BR"/>
           </a:p>
@@ -2719,7 +2754,7 @@
           <a:p>
             <a:fld id="{9F76BDEF-B461-4CE9-9FA0-27AA0997062E}" type="slidenum">
               <a:rPr lang="pt-BR" smtClean="0"/>
-              <a:t>‹nº›</a:t>
+              <a:t>‹#›</a:t>
             </a:fld>
             <a:endParaRPr lang="pt-BR"/>
           </a:p>
@@ -2906,7 +2941,7 @@
           <a:p>
             <a:fld id="{E70F2004-4CBE-4F43-A10C-F8DD097C79A9}" type="datetimeFigureOut">
               <a:rPr lang="pt-BR" smtClean="0"/>
-              <a:t>18/11/2021</a:t>
+              <a:t>22/11/2021</a:t>
             </a:fld>
             <a:endParaRPr lang="pt-BR"/>
           </a:p>
@@ -2996,7 +3031,7 @@
           <a:p>
             <a:fld id="{9F76BDEF-B461-4CE9-9FA0-27AA0997062E}" type="slidenum">
               <a:rPr lang="pt-BR" smtClean="0"/>
-              <a:t>‹nº›</a:t>
+              <a:t>‹#›</a:t>
             </a:fld>
             <a:endParaRPr lang="pt-BR"/>
           </a:p>
@@ -3825,7 +3860,7 @@
         </p:spPr>
         <p:txBody>
           <a:bodyPr>
-            <a:normAutofit fontScale="62500" lnSpcReduction="20000"/>
+            <a:normAutofit fontScale="47500" lnSpcReduction="20000"/>
           </a:bodyPr>
           <a:lstStyle/>
           <a:p>
@@ -3894,13 +3929,8 @@
             </a:pPr>
             <a:r>
               <a:rPr lang="pt-BR" dirty="0"/>
-              <a:t>E isso acaba não sendo sustentável visto que temos outras formas de resolver essa mesma questão sem utilizar papel, além da agua também devemos observar todo o desmatamento causado para utilizar todo </a:t>
-            </a:r>
-            <a:r>
-              <a:rPr lang="pt-BR"/>
-              <a:t>essa papel</a:t>
-            </a:r>
-            <a:endParaRPr lang="pt-BR" dirty="0"/>
+              <a:t>E isso acaba não sendo sustentável visto que temos outras formas de resolver essa mesma questão sem utilizar papel, além da agua também devemos observar todo o desmatamento causado para utilizar todo essa papel</a:t>
+            </a:r>
           </a:p>
           <a:p>
             <a:endParaRPr lang="pt-BR" dirty="0"/>
@@ -3925,8 +3955,29 @@
             </a:r>
             <a:r>
               <a:rPr lang="pt-BR" dirty="0"/>
-              <a:t>– uma aplicação Desktop(Windows, MAC e Linux) com objetivo de eliminar o controle com papel físico </a:t>
-            </a:r>
+              <a:t>– uma aplicação Desktop(Windows, MAC e Linux) com objetivo de eliminar o controle com papel físico e implementar o controle digital. Com isso isso esperamos aumentar a eficiencia do processo, melhorar a segurança e diminuir perdas de livros, além disso, esperamos trazer alguns outros beneficios como historico de ações do aluno, agilidade no atendimento nas bibliotecas que possuem nosso sistema, segurança e confiabilidade.</a:t>
+            </a:r>
+          </a:p>
+          <a:p>
+            <a:endParaRPr lang="pt-BR" dirty="0"/>
+          </a:p>
+          <a:p>
+            <a:r>
+              <a:rPr lang="pt-BR" dirty="0"/>
+              <a:t>O relatorio será gerado atraves da nossa aplicação Desktop onde apenas o Administrador terá permissão e acesso para gerar, e nesse relatorio estará descrito todas as açoes dentro de uma periodo escolhido pelo administrador.</a:t>
+            </a:r>
+          </a:p>
+          <a:p>
+            <a:endParaRPr lang="pt-BR" dirty="0"/>
+          </a:p>
+          <a:p>
+            <a:endParaRPr lang="pt-BR" dirty="0"/>
+          </a:p>
+          <a:p>
+            <a:pPr marL="0" indent="0">
+              <a:buNone/>
+            </a:pPr>
+            <a:endParaRPr lang="pt-BR" dirty="0"/>
           </a:p>
         </p:txBody>
       </p:sp>
@@ -3934,6 +3985,190 @@
     <p:extLst>
       <p:ext uri="{BB962C8B-B14F-4D97-AF65-F5344CB8AC3E}">
         <p14:creationId xmlns:p14="http://schemas.microsoft.com/office/powerpoint/2010/main" val="3821222906"/>
+      </p:ext>
+    </p:extLst>
+  </p:cSld>
+  <p:clrMapOvr>
+    <a:masterClrMapping/>
+  </p:clrMapOvr>
+</p:sld>
+</file>
+
+<file path=ppt/slides/slide4.xml><?xml version="1.0" encoding="utf-8"?>
+<p:sld xmlns:a="http://schemas.openxmlformats.org/drawingml/2006/main" xmlns:r="http://schemas.openxmlformats.org/officeDocument/2006/relationships" xmlns:p="http://schemas.openxmlformats.org/presentationml/2006/main">
+  <p:cSld>
+    <p:spTree>
+      <p:nvGrpSpPr>
+        <p:cNvPr id="1" name=""/>
+        <p:cNvGrpSpPr/>
+        <p:nvPr/>
+      </p:nvGrpSpPr>
+      <p:grpSpPr>
+        <a:xfrm>
+          <a:off x="0" y="0"/>
+          <a:ext cx="0" cy="0"/>
+          <a:chOff x="0" y="0"/>
+          <a:chExt cx="0" cy="0"/>
+        </a:xfrm>
+      </p:grpSpPr>
+      <p:sp>
+        <p:nvSpPr>
+          <p:cNvPr id="3" name="Content Placeholder 2">
+            <a:extLst>
+              <a:ext uri="{FF2B5EF4-FFF2-40B4-BE49-F238E27FC236}">
+                <a16:creationId xmlns:a16="http://schemas.microsoft.com/office/drawing/2014/main" id="{2D58DA23-C46A-4232-BD54-3E4852864003}"/>
+              </a:ext>
+            </a:extLst>
+          </p:cNvPr>
+          <p:cNvSpPr>
+            <a:spLocks noGrp="1"/>
+          </p:cNvSpPr>
+          <p:nvPr>
+            <p:ph idx="1"/>
+          </p:nvPr>
+        </p:nvSpPr>
+        <p:spPr>
+          <a:xfrm>
+            <a:off x="968188" y="1640682"/>
+            <a:ext cx="10385612" cy="4536282"/>
+          </a:xfrm>
+        </p:spPr>
+        <p:txBody>
+          <a:bodyPr/>
+          <a:lstStyle/>
+          <a:p>
+            <a:pPr marL="0" indent="0">
+              <a:buNone/>
+            </a:pPr>
+            <a:r>
+              <a:rPr lang="pt-BR" dirty="0"/>
+              <a:t>O nosso projeto passou por uma fase de planejamento bem estruturada, nela passamos por diversas ferramentas, técnicas e metodologias como user journey map, mapa de empatia, LeanUX, Story board, Gantt e Proto Persona. </a:t>
+            </a:r>
+            <a:r>
+              <a:rPr lang="pt-BR"/>
+              <a:t>Essa fase foi muito importante para visualizarmos onde nosso projeto se encaixaria diante ao mercado, e para termos um ponto focal para trabalharmos, e assim criarmos nossa aplicação para o cliente final ideial.</a:t>
+            </a:r>
+            <a:endParaRPr lang="pt-BR" dirty="0"/>
+          </a:p>
+        </p:txBody>
+      </p:sp>
+      <p:sp>
+        <p:nvSpPr>
+          <p:cNvPr id="4" name="Título 1">
+            <a:extLst>
+              <a:ext uri="{FF2B5EF4-FFF2-40B4-BE49-F238E27FC236}">
+                <a16:creationId xmlns:a16="http://schemas.microsoft.com/office/drawing/2014/main" id="{64556A63-73A4-4939-A4A2-C1FB88DC3EBC}"/>
+              </a:ext>
+            </a:extLst>
+          </p:cNvPr>
+          <p:cNvSpPr txBox="1">
+            <a:spLocks/>
+          </p:cNvSpPr>
+          <p:nvPr/>
+        </p:nvSpPr>
+        <p:spPr>
+          <a:xfrm>
+            <a:off x="254000" y="160336"/>
+            <a:ext cx="2235200" cy="647701"/>
+          </a:xfrm>
+          <a:prstGeom prst="rect">
+            <a:avLst/>
+          </a:prstGeom>
+        </p:spPr>
+        <p:txBody>
+          <a:bodyPr vert="horz" lIns="91440" tIns="45720" rIns="91440" bIns="45720" rtlCol="0" anchor="ctr">
+            <a:normAutofit fontScale="90000"/>
+          </a:bodyPr>
+          <a:lstStyle>
+            <a:lvl1pPr algn="l" defTabSz="914400" rtl="0" eaLnBrk="1" latinLnBrk="0" hangingPunct="1">
+              <a:lnSpc>
+                <a:spcPct val="90000"/>
+              </a:lnSpc>
+              <a:spcBef>
+                <a:spcPct val="0"/>
+              </a:spcBef>
+              <a:buNone/>
+              <a:defRPr sz="4400" kern="1200">
+                <a:solidFill>
+                  <a:schemeClr val="tx1"/>
+                </a:solidFill>
+                <a:latin typeface="+mj-lt"/>
+                <a:ea typeface="+mj-ea"/>
+                <a:cs typeface="+mj-cs"/>
+              </a:defRPr>
+            </a:lvl1pPr>
+          </a:lstStyle>
+          <a:p>
+            <a:pPr algn="ctr"/>
+            <a:r>
+              <a:rPr lang="pt-BR" b="1" dirty="0">
+                <a:solidFill>
+                  <a:schemeClr val="accent1">
+                    <a:lumMod val="75000"/>
+                  </a:schemeClr>
+                </a:solidFill>
+                <a:latin typeface="Arial" panose="020B0604020202020204" pitchFamily="34" charset="0"/>
+              </a:rPr>
+              <a:t>Solução</a:t>
+            </a:r>
+          </a:p>
+        </p:txBody>
+      </p:sp>
+      <p:sp>
+        <p:nvSpPr>
+          <p:cNvPr id="5" name="Título 1">
+            <a:extLst>
+              <a:ext uri="{FF2B5EF4-FFF2-40B4-BE49-F238E27FC236}">
+                <a16:creationId xmlns:a16="http://schemas.microsoft.com/office/drawing/2014/main" id="{DD1B27D7-CAAD-4A75-80B8-3C70823A877A}"/>
+              </a:ext>
+            </a:extLst>
+          </p:cNvPr>
+          <p:cNvSpPr>
+            <a:spLocks noGrp="1"/>
+          </p:cNvSpPr>
+          <p:nvPr>
+            <p:ph type="title"/>
+          </p:nvPr>
+        </p:nvSpPr>
+        <p:spPr>
+          <a:xfrm>
+            <a:off x="0" y="992980"/>
+            <a:ext cx="3802530" cy="647701"/>
+          </a:xfrm>
+        </p:spPr>
+        <p:txBody>
+          <a:bodyPr>
+            <a:normAutofit/>
+          </a:bodyPr>
+          <a:lstStyle/>
+          <a:p>
+            <a:pPr algn="ctr"/>
+            <a:r>
+              <a:rPr lang="pt-BR" sz="2400" dirty="0">
+                <a:solidFill>
+                  <a:schemeClr val="accent1">
+                    <a:lumMod val="75000"/>
+                  </a:schemeClr>
+                </a:solidFill>
+                <a:effectLst/>
+                <a:latin typeface="Arial" panose="020B0604020202020204" pitchFamily="34" charset="0"/>
+              </a:rPr>
+              <a:t>planejamento</a:t>
+            </a:r>
+            <a:endParaRPr lang="pt-BR" sz="2400" dirty="0">
+              <a:solidFill>
+                <a:schemeClr val="accent1">
+                  <a:lumMod val="75000"/>
+                </a:schemeClr>
+              </a:solidFill>
+            </a:endParaRPr>
+          </a:p>
+        </p:txBody>
+      </p:sp>
+    </p:spTree>
+    <p:extLst>
+      <p:ext uri="{BB962C8B-B14F-4D97-AF65-F5344CB8AC3E}">
+        <p14:creationId xmlns:p14="http://schemas.microsoft.com/office/powerpoint/2010/main" val="2279527921"/>
       </p:ext>
     </p:extLst>
   </p:cSld>
